--- a/ppt 16-9/0440.中华就是第四.pptx
+++ b/ppt 16-9/0440.中华就是第四.pptx
@@ -5,7 +5,7 @@
     <p:sldMasterId id="2147483648" r:id="rId1"/>
   </p:sldMasterIdLst>
   <p:sldIdLst>
-    <p:sldId id="2928" r:id="rId2"/>
+    <p:sldId id="2929" r:id="rId2"/>
   </p:sldIdLst>
   <p:sldSz cx="12192000" cy="6858000"/>
   <p:notesSz cx="6858000" cy="9144000"/>
@@ -129,7 +129,7 @@
           <p:cNvPr id="2" name="标题 1">
             <a:extLst>
               <a:ext uri="{FF2B5EF4-FFF2-40B4-BE49-F238E27FC236}">
-                <a16:creationId xmlns:a16="http://schemas.microsoft.com/office/drawing/2014/main" id="{D5398BEE-5500-F36A-1400-1849D0B01467}"/>
+                <a16:creationId xmlns:a16="http://schemas.microsoft.com/office/drawing/2014/main" id="{324B0D64-115F-199B-905F-45B2BB657E20}"/>
               </a:ext>
             </a:extLst>
           </p:cNvPr>
@@ -166,7 +166,7 @@
           <p:cNvPr id="3" name="副标题 2">
             <a:extLst>
               <a:ext uri="{FF2B5EF4-FFF2-40B4-BE49-F238E27FC236}">
-                <a16:creationId xmlns:a16="http://schemas.microsoft.com/office/drawing/2014/main" id="{04934E40-0774-87AE-A292-0F1764690040}"/>
+                <a16:creationId xmlns:a16="http://schemas.microsoft.com/office/drawing/2014/main" id="{8072D29A-E11F-C7E6-7709-FCC01F663B89}"/>
               </a:ext>
             </a:extLst>
           </p:cNvPr>
@@ -236,7 +236,7 @@
           <p:cNvPr id="4" name="日期占位符 3">
             <a:extLst>
               <a:ext uri="{FF2B5EF4-FFF2-40B4-BE49-F238E27FC236}">
-                <a16:creationId xmlns:a16="http://schemas.microsoft.com/office/drawing/2014/main" id="{741DE172-9A10-C3AF-8FB4-B5AF69B25204}"/>
+                <a16:creationId xmlns:a16="http://schemas.microsoft.com/office/drawing/2014/main" id="{74237ACE-675F-8CC4-50BD-2ABCAF3DB500}"/>
               </a:ext>
             </a:extLst>
           </p:cNvPr>
@@ -252,7 +252,7 @@
           <a:bodyPr/>
           <a:lstStyle/>
           <a:p>
-            <a:fld id="{B03A1B60-E63A-488E-955A-0A9A5F0361AB}" type="datetimeFigureOut">
+            <a:fld id="{F3486090-FE5B-412F-8457-5FF069492815}" type="datetimeFigureOut">
               <a:rPr lang="zh-CN" altLang="en-US" smtClean="0"/>
               <a:t>2024/3/10</a:t>
             </a:fld>
@@ -265,7 +265,7 @@
           <p:cNvPr id="5" name="页脚占位符 4">
             <a:extLst>
               <a:ext uri="{FF2B5EF4-FFF2-40B4-BE49-F238E27FC236}">
-                <a16:creationId xmlns:a16="http://schemas.microsoft.com/office/drawing/2014/main" id="{77ED9DAA-B414-5985-55DB-FC697FEFEBAA}"/>
+                <a16:creationId xmlns:a16="http://schemas.microsoft.com/office/drawing/2014/main" id="{27121E8B-DABB-8222-44B2-9BCCF0B66BE7}"/>
               </a:ext>
             </a:extLst>
           </p:cNvPr>
@@ -290,7 +290,7 @@
           <p:cNvPr id="6" name="灯片编号占位符 5">
             <a:extLst>
               <a:ext uri="{FF2B5EF4-FFF2-40B4-BE49-F238E27FC236}">
-                <a16:creationId xmlns:a16="http://schemas.microsoft.com/office/drawing/2014/main" id="{CE56A234-C788-9790-350A-6F4DD9316BCC}"/>
+                <a16:creationId xmlns:a16="http://schemas.microsoft.com/office/drawing/2014/main" id="{88AF3C34-8181-A0EE-6E9C-E1617D4847AB}"/>
               </a:ext>
             </a:extLst>
           </p:cNvPr>
@@ -306,7 +306,7 @@
           <a:bodyPr/>
           <a:lstStyle/>
           <a:p>
-            <a:fld id="{0D87C49B-3C47-422C-88D4-944E5FB4F124}" type="slidenum">
+            <a:fld id="{7182C4B6-AD77-4431-96D2-43008D56DA20}" type="slidenum">
               <a:rPr lang="zh-CN" altLang="en-US" smtClean="0"/>
               <a:t>‹#›</a:t>
             </a:fld>
@@ -317,7 +317,7 @@
     </p:spTree>
     <p:extLst>
       <p:ext uri="{BB962C8B-B14F-4D97-AF65-F5344CB8AC3E}">
-        <p14:creationId xmlns:p14="http://schemas.microsoft.com/office/powerpoint/2010/main" val="3372541982"/>
+        <p14:creationId xmlns:p14="http://schemas.microsoft.com/office/powerpoint/2010/main" val="144344917"/>
       </p:ext>
     </p:extLst>
   </p:cSld>
@@ -349,7 +349,7 @@
           <p:cNvPr id="2" name="标题 1">
             <a:extLst>
               <a:ext uri="{FF2B5EF4-FFF2-40B4-BE49-F238E27FC236}">
-                <a16:creationId xmlns:a16="http://schemas.microsoft.com/office/drawing/2014/main" id="{22263DBD-6256-6AE8-9C1E-2892BDAE140F}"/>
+                <a16:creationId xmlns:a16="http://schemas.microsoft.com/office/drawing/2014/main" id="{2D4C9AC9-59BC-0859-5D1C-A14712928FC0}"/>
               </a:ext>
             </a:extLst>
           </p:cNvPr>
@@ -377,7 +377,7 @@
           <p:cNvPr id="3" name="竖排文字占位符 2">
             <a:extLst>
               <a:ext uri="{FF2B5EF4-FFF2-40B4-BE49-F238E27FC236}">
-                <a16:creationId xmlns:a16="http://schemas.microsoft.com/office/drawing/2014/main" id="{D98F9E7D-8ACA-7373-EDE6-50B5B520509C}"/>
+                <a16:creationId xmlns:a16="http://schemas.microsoft.com/office/drawing/2014/main" id="{5D99AC42-48FB-C7E4-2FBF-197FFEC8A41A}"/>
               </a:ext>
             </a:extLst>
           </p:cNvPr>
@@ -434,7 +434,7 @@
           <p:cNvPr id="4" name="日期占位符 3">
             <a:extLst>
               <a:ext uri="{FF2B5EF4-FFF2-40B4-BE49-F238E27FC236}">
-                <a16:creationId xmlns:a16="http://schemas.microsoft.com/office/drawing/2014/main" id="{02151BEB-7ED8-0C2C-E9BE-ACD3A612E190}"/>
+                <a16:creationId xmlns:a16="http://schemas.microsoft.com/office/drawing/2014/main" id="{5E62D946-71AC-14CE-D911-373A312D7EDB}"/>
               </a:ext>
             </a:extLst>
           </p:cNvPr>
@@ -450,7 +450,7 @@
           <a:bodyPr/>
           <a:lstStyle/>
           <a:p>
-            <a:fld id="{B03A1B60-E63A-488E-955A-0A9A5F0361AB}" type="datetimeFigureOut">
+            <a:fld id="{F3486090-FE5B-412F-8457-5FF069492815}" type="datetimeFigureOut">
               <a:rPr lang="zh-CN" altLang="en-US" smtClean="0"/>
               <a:t>2024/3/10</a:t>
             </a:fld>
@@ -463,7 +463,7 @@
           <p:cNvPr id="5" name="页脚占位符 4">
             <a:extLst>
               <a:ext uri="{FF2B5EF4-FFF2-40B4-BE49-F238E27FC236}">
-                <a16:creationId xmlns:a16="http://schemas.microsoft.com/office/drawing/2014/main" id="{CEE8766C-56C7-A741-9B7C-696E127F5C52}"/>
+                <a16:creationId xmlns:a16="http://schemas.microsoft.com/office/drawing/2014/main" id="{8D37A11A-BF38-3637-30DA-C228843405B6}"/>
               </a:ext>
             </a:extLst>
           </p:cNvPr>
@@ -488,7 +488,7 @@
           <p:cNvPr id="6" name="灯片编号占位符 5">
             <a:extLst>
               <a:ext uri="{FF2B5EF4-FFF2-40B4-BE49-F238E27FC236}">
-                <a16:creationId xmlns:a16="http://schemas.microsoft.com/office/drawing/2014/main" id="{A299B7E6-75D7-5DDC-8303-53863B39EAA0}"/>
+                <a16:creationId xmlns:a16="http://schemas.microsoft.com/office/drawing/2014/main" id="{41DC60EA-EE83-267D-3CA5-364CB9873482}"/>
               </a:ext>
             </a:extLst>
           </p:cNvPr>
@@ -504,7 +504,7 @@
           <a:bodyPr/>
           <a:lstStyle/>
           <a:p>
-            <a:fld id="{0D87C49B-3C47-422C-88D4-944E5FB4F124}" type="slidenum">
+            <a:fld id="{7182C4B6-AD77-4431-96D2-43008D56DA20}" type="slidenum">
               <a:rPr lang="zh-CN" altLang="en-US" smtClean="0"/>
               <a:t>‹#›</a:t>
             </a:fld>
@@ -515,7 +515,7 @@
     </p:spTree>
     <p:extLst>
       <p:ext uri="{BB962C8B-B14F-4D97-AF65-F5344CB8AC3E}">
-        <p14:creationId xmlns:p14="http://schemas.microsoft.com/office/powerpoint/2010/main" val="80152468"/>
+        <p14:creationId xmlns:p14="http://schemas.microsoft.com/office/powerpoint/2010/main" val="2546751216"/>
       </p:ext>
     </p:extLst>
   </p:cSld>
@@ -547,7 +547,7 @@
           <p:cNvPr id="2" name="竖排标题 1">
             <a:extLst>
               <a:ext uri="{FF2B5EF4-FFF2-40B4-BE49-F238E27FC236}">
-                <a16:creationId xmlns:a16="http://schemas.microsoft.com/office/drawing/2014/main" id="{BB719391-C3DC-D7E2-212E-A80EC0AF05B4}"/>
+                <a16:creationId xmlns:a16="http://schemas.microsoft.com/office/drawing/2014/main" id="{1D047948-0991-4FD6-2336-DDCBB8E61585}"/>
               </a:ext>
             </a:extLst>
           </p:cNvPr>
@@ -580,7 +580,7 @@
           <p:cNvPr id="3" name="竖排文字占位符 2">
             <a:extLst>
               <a:ext uri="{FF2B5EF4-FFF2-40B4-BE49-F238E27FC236}">
-                <a16:creationId xmlns:a16="http://schemas.microsoft.com/office/drawing/2014/main" id="{620E6B0E-895E-6B70-BEC0-BD7C4ADC7B58}"/>
+                <a16:creationId xmlns:a16="http://schemas.microsoft.com/office/drawing/2014/main" id="{CE8C9716-526C-64E6-D101-9811D3A8C48C}"/>
               </a:ext>
             </a:extLst>
           </p:cNvPr>
@@ -642,7 +642,7 @@
           <p:cNvPr id="4" name="日期占位符 3">
             <a:extLst>
               <a:ext uri="{FF2B5EF4-FFF2-40B4-BE49-F238E27FC236}">
-                <a16:creationId xmlns:a16="http://schemas.microsoft.com/office/drawing/2014/main" id="{DC7B9E8A-84D2-0EBA-CFC2-C1A8EF2FB8E2}"/>
+                <a16:creationId xmlns:a16="http://schemas.microsoft.com/office/drawing/2014/main" id="{5AE362AA-E9E1-FD0B-FB53-2DC5536C64E0}"/>
               </a:ext>
             </a:extLst>
           </p:cNvPr>
@@ -658,7 +658,7 @@
           <a:bodyPr/>
           <a:lstStyle/>
           <a:p>
-            <a:fld id="{B03A1B60-E63A-488E-955A-0A9A5F0361AB}" type="datetimeFigureOut">
+            <a:fld id="{F3486090-FE5B-412F-8457-5FF069492815}" type="datetimeFigureOut">
               <a:rPr lang="zh-CN" altLang="en-US" smtClean="0"/>
               <a:t>2024/3/10</a:t>
             </a:fld>
@@ -671,7 +671,7 @@
           <p:cNvPr id="5" name="页脚占位符 4">
             <a:extLst>
               <a:ext uri="{FF2B5EF4-FFF2-40B4-BE49-F238E27FC236}">
-                <a16:creationId xmlns:a16="http://schemas.microsoft.com/office/drawing/2014/main" id="{0425ED7D-3A29-D2BF-03B5-F8FAAAB6CF87}"/>
+                <a16:creationId xmlns:a16="http://schemas.microsoft.com/office/drawing/2014/main" id="{F2CD9516-0A27-A58B-871D-159FADFD4754}"/>
               </a:ext>
             </a:extLst>
           </p:cNvPr>
@@ -696,7 +696,7 @@
           <p:cNvPr id="6" name="灯片编号占位符 5">
             <a:extLst>
               <a:ext uri="{FF2B5EF4-FFF2-40B4-BE49-F238E27FC236}">
-                <a16:creationId xmlns:a16="http://schemas.microsoft.com/office/drawing/2014/main" id="{49F2F905-5B54-29DB-EB79-33498AB014DF}"/>
+                <a16:creationId xmlns:a16="http://schemas.microsoft.com/office/drawing/2014/main" id="{B7AC4B30-26BA-80B0-8E6F-88851F7D3336}"/>
               </a:ext>
             </a:extLst>
           </p:cNvPr>
@@ -712,7 +712,7 @@
           <a:bodyPr/>
           <a:lstStyle/>
           <a:p>
-            <a:fld id="{0D87C49B-3C47-422C-88D4-944E5FB4F124}" type="slidenum">
+            <a:fld id="{7182C4B6-AD77-4431-96D2-43008D56DA20}" type="slidenum">
               <a:rPr lang="zh-CN" altLang="en-US" smtClean="0"/>
               <a:t>‹#›</a:t>
             </a:fld>
@@ -723,7 +723,7 @@
     </p:spTree>
     <p:extLst>
       <p:ext uri="{BB962C8B-B14F-4D97-AF65-F5344CB8AC3E}">
-        <p14:creationId xmlns:p14="http://schemas.microsoft.com/office/powerpoint/2010/main" val="1264262453"/>
+        <p14:creationId xmlns:p14="http://schemas.microsoft.com/office/powerpoint/2010/main" val="2645328405"/>
       </p:ext>
     </p:extLst>
   </p:cSld>
@@ -755,7 +755,7 @@
           <p:cNvPr id="2" name="标题 1">
             <a:extLst>
               <a:ext uri="{FF2B5EF4-FFF2-40B4-BE49-F238E27FC236}">
-                <a16:creationId xmlns:a16="http://schemas.microsoft.com/office/drawing/2014/main" id="{99E0405D-636A-4A17-CFE7-9A4C1960423A}"/>
+                <a16:creationId xmlns:a16="http://schemas.microsoft.com/office/drawing/2014/main" id="{6B4AA83E-940D-E878-F119-65D9B8B8DA8B}"/>
               </a:ext>
             </a:extLst>
           </p:cNvPr>
@@ -783,7 +783,7 @@
           <p:cNvPr id="3" name="内容占位符 2">
             <a:extLst>
               <a:ext uri="{FF2B5EF4-FFF2-40B4-BE49-F238E27FC236}">
-                <a16:creationId xmlns:a16="http://schemas.microsoft.com/office/drawing/2014/main" id="{8F16BD38-4763-BFC4-50A2-AE97E52949DA}"/>
+                <a16:creationId xmlns:a16="http://schemas.microsoft.com/office/drawing/2014/main" id="{093147EC-F5C6-0BCD-3C6E-68845962A70C}"/>
               </a:ext>
             </a:extLst>
           </p:cNvPr>
@@ -840,7 +840,7 @@
           <p:cNvPr id="4" name="日期占位符 3">
             <a:extLst>
               <a:ext uri="{FF2B5EF4-FFF2-40B4-BE49-F238E27FC236}">
-                <a16:creationId xmlns:a16="http://schemas.microsoft.com/office/drawing/2014/main" id="{24CDE685-EC78-AC9C-D30A-0B3BC848D591}"/>
+                <a16:creationId xmlns:a16="http://schemas.microsoft.com/office/drawing/2014/main" id="{E44C081D-2C5D-6F5A-9C34-8E682CF004AC}"/>
               </a:ext>
             </a:extLst>
           </p:cNvPr>
@@ -856,7 +856,7 @@
           <a:bodyPr/>
           <a:lstStyle/>
           <a:p>
-            <a:fld id="{B03A1B60-E63A-488E-955A-0A9A5F0361AB}" type="datetimeFigureOut">
+            <a:fld id="{F3486090-FE5B-412F-8457-5FF069492815}" type="datetimeFigureOut">
               <a:rPr lang="zh-CN" altLang="en-US" smtClean="0"/>
               <a:t>2024/3/10</a:t>
             </a:fld>
@@ -869,7 +869,7 @@
           <p:cNvPr id="5" name="页脚占位符 4">
             <a:extLst>
               <a:ext uri="{FF2B5EF4-FFF2-40B4-BE49-F238E27FC236}">
-                <a16:creationId xmlns:a16="http://schemas.microsoft.com/office/drawing/2014/main" id="{CB02DF6C-E775-1F76-EED2-30AAD9EB3042}"/>
+                <a16:creationId xmlns:a16="http://schemas.microsoft.com/office/drawing/2014/main" id="{BFF22106-C78C-2D69-1B1E-191AEDE68145}"/>
               </a:ext>
             </a:extLst>
           </p:cNvPr>
@@ -894,7 +894,7 @@
           <p:cNvPr id="6" name="灯片编号占位符 5">
             <a:extLst>
               <a:ext uri="{FF2B5EF4-FFF2-40B4-BE49-F238E27FC236}">
-                <a16:creationId xmlns:a16="http://schemas.microsoft.com/office/drawing/2014/main" id="{79873356-46E6-5CDF-FC1B-6D40E7DAEDF9}"/>
+                <a16:creationId xmlns:a16="http://schemas.microsoft.com/office/drawing/2014/main" id="{70C5F137-3C60-B21E-0FFA-93B2BF5B8741}"/>
               </a:ext>
             </a:extLst>
           </p:cNvPr>
@@ -910,7 +910,7 @@
           <a:bodyPr/>
           <a:lstStyle/>
           <a:p>
-            <a:fld id="{0D87C49B-3C47-422C-88D4-944E5FB4F124}" type="slidenum">
+            <a:fld id="{7182C4B6-AD77-4431-96D2-43008D56DA20}" type="slidenum">
               <a:rPr lang="zh-CN" altLang="en-US" smtClean="0"/>
               <a:t>‹#›</a:t>
             </a:fld>
@@ -921,7 +921,7 @@
     </p:spTree>
     <p:extLst>
       <p:ext uri="{BB962C8B-B14F-4D97-AF65-F5344CB8AC3E}">
-        <p14:creationId xmlns:p14="http://schemas.microsoft.com/office/powerpoint/2010/main" val="553205912"/>
+        <p14:creationId xmlns:p14="http://schemas.microsoft.com/office/powerpoint/2010/main" val="2661845698"/>
       </p:ext>
     </p:extLst>
   </p:cSld>
@@ -953,7 +953,7 @@
           <p:cNvPr id="2" name="标题 1">
             <a:extLst>
               <a:ext uri="{FF2B5EF4-FFF2-40B4-BE49-F238E27FC236}">
-                <a16:creationId xmlns:a16="http://schemas.microsoft.com/office/drawing/2014/main" id="{7D1E3943-40F4-4D3E-D99B-D0458FB4EE52}"/>
+                <a16:creationId xmlns:a16="http://schemas.microsoft.com/office/drawing/2014/main" id="{A2734D87-2282-4FB1-0580-D9E95BFC3DA9}"/>
               </a:ext>
             </a:extLst>
           </p:cNvPr>
@@ -990,7 +990,7 @@
           <p:cNvPr id="3" name="文本占位符 2">
             <a:extLst>
               <a:ext uri="{FF2B5EF4-FFF2-40B4-BE49-F238E27FC236}">
-                <a16:creationId xmlns:a16="http://schemas.microsoft.com/office/drawing/2014/main" id="{E9372E9D-4490-96FF-F42B-0A40E448E814}"/>
+                <a16:creationId xmlns:a16="http://schemas.microsoft.com/office/drawing/2014/main" id="{0DFB52E1-A49D-5537-4DCC-5B23E2AB1102}"/>
               </a:ext>
             </a:extLst>
           </p:cNvPr>
@@ -1115,7 +1115,7 @@
           <p:cNvPr id="4" name="日期占位符 3">
             <a:extLst>
               <a:ext uri="{FF2B5EF4-FFF2-40B4-BE49-F238E27FC236}">
-                <a16:creationId xmlns:a16="http://schemas.microsoft.com/office/drawing/2014/main" id="{1DBB9ED0-42DA-2A05-237A-4846804B2176}"/>
+                <a16:creationId xmlns:a16="http://schemas.microsoft.com/office/drawing/2014/main" id="{FB421007-E4B2-7F39-CF8F-94D16F24F9BD}"/>
               </a:ext>
             </a:extLst>
           </p:cNvPr>
@@ -1131,7 +1131,7 @@
           <a:bodyPr/>
           <a:lstStyle/>
           <a:p>
-            <a:fld id="{B03A1B60-E63A-488E-955A-0A9A5F0361AB}" type="datetimeFigureOut">
+            <a:fld id="{F3486090-FE5B-412F-8457-5FF069492815}" type="datetimeFigureOut">
               <a:rPr lang="zh-CN" altLang="en-US" smtClean="0"/>
               <a:t>2024/3/10</a:t>
             </a:fld>
@@ -1144,7 +1144,7 @@
           <p:cNvPr id="5" name="页脚占位符 4">
             <a:extLst>
               <a:ext uri="{FF2B5EF4-FFF2-40B4-BE49-F238E27FC236}">
-                <a16:creationId xmlns:a16="http://schemas.microsoft.com/office/drawing/2014/main" id="{B36BF00A-D926-5172-5F52-9E889A1BEB1C}"/>
+                <a16:creationId xmlns:a16="http://schemas.microsoft.com/office/drawing/2014/main" id="{5AE4220A-D554-6B9B-19C0-BC970602DCC1}"/>
               </a:ext>
             </a:extLst>
           </p:cNvPr>
@@ -1169,7 +1169,7 @@
           <p:cNvPr id="6" name="灯片编号占位符 5">
             <a:extLst>
               <a:ext uri="{FF2B5EF4-FFF2-40B4-BE49-F238E27FC236}">
-                <a16:creationId xmlns:a16="http://schemas.microsoft.com/office/drawing/2014/main" id="{7B0E961A-7F9B-A5FB-3422-7A8862B8A26B}"/>
+                <a16:creationId xmlns:a16="http://schemas.microsoft.com/office/drawing/2014/main" id="{1C9FB033-6E8F-9A87-F970-D13251FC843C}"/>
               </a:ext>
             </a:extLst>
           </p:cNvPr>
@@ -1185,7 +1185,7 @@
           <a:bodyPr/>
           <a:lstStyle/>
           <a:p>
-            <a:fld id="{0D87C49B-3C47-422C-88D4-944E5FB4F124}" type="slidenum">
+            <a:fld id="{7182C4B6-AD77-4431-96D2-43008D56DA20}" type="slidenum">
               <a:rPr lang="zh-CN" altLang="en-US" smtClean="0"/>
               <a:t>‹#›</a:t>
             </a:fld>
@@ -1196,7 +1196,7 @@
     </p:spTree>
     <p:extLst>
       <p:ext uri="{BB962C8B-B14F-4D97-AF65-F5344CB8AC3E}">
-        <p14:creationId xmlns:p14="http://schemas.microsoft.com/office/powerpoint/2010/main" val="2107220299"/>
+        <p14:creationId xmlns:p14="http://schemas.microsoft.com/office/powerpoint/2010/main" val="3552036460"/>
       </p:ext>
     </p:extLst>
   </p:cSld>
@@ -1228,7 +1228,7 @@
           <p:cNvPr id="2" name="标题 1">
             <a:extLst>
               <a:ext uri="{FF2B5EF4-FFF2-40B4-BE49-F238E27FC236}">
-                <a16:creationId xmlns:a16="http://schemas.microsoft.com/office/drawing/2014/main" id="{28915C1D-A8F0-9FF2-408C-1CF8C3BF1BB7}"/>
+                <a16:creationId xmlns:a16="http://schemas.microsoft.com/office/drawing/2014/main" id="{6C1D4950-F218-2E69-E24D-A9CB581B4C28}"/>
               </a:ext>
             </a:extLst>
           </p:cNvPr>
@@ -1256,7 +1256,7 @@
           <p:cNvPr id="3" name="内容占位符 2">
             <a:extLst>
               <a:ext uri="{FF2B5EF4-FFF2-40B4-BE49-F238E27FC236}">
-                <a16:creationId xmlns:a16="http://schemas.microsoft.com/office/drawing/2014/main" id="{715F2756-D418-24DB-D5C5-FC13B3598534}"/>
+                <a16:creationId xmlns:a16="http://schemas.microsoft.com/office/drawing/2014/main" id="{93B1A332-43C8-0F43-BC2B-07C3095003F3}"/>
               </a:ext>
             </a:extLst>
           </p:cNvPr>
@@ -1318,7 +1318,7 @@
           <p:cNvPr id="4" name="内容占位符 3">
             <a:extLst>
               <a:ext uri="{FF2B5EF4-FFF2-40B4-BE49-F238E27FC236}">
-                <a16:creationId xmlns:a16="http://schemas.microsoft.com/office/drawing/2014/main" id="{DE792A77-4848-4A35-8A4D-04815AFAAFD0}"/>
+                <a16:creationId xmlns:a16="http://schemas.microsoft.com/office/drawing/2014/main" id="{E09777C7-850E-397A-5FF4-AD57ACA90537}"/>
               </a:ext>
             </a:extLst>
           </p:cNvPr>
@@ -1380,7 +1380,7 @@
           <p:cNvPr id="5" name="日期占位符 4">
             <a:extLst>
               <a:ext uri="{FF2B5EF4-FFF2-40B4-BE49-F238E27FC236}">
-                <a16:creationId xmlns:a16="http://schemas.microsoft.com/office/drawing/2014/main" id="{17BB623A-2B09-E630-3129-EB2D92DF63E5}"/>
+                <a16:creationId xmlns:a16="http://schemas.microsoft.com/office/drawing/2014/main" id="{41E23D0B-51F0-ADBC-1198-A9E3D74400F6}"/>
               </a:ext>
             </a:extLst>
           </p:cNvPr>
@@ -1396,7 +1396,7 @@
           <a:bodyPr/>
           <a:lstStyle/>
           <a:p>
-            <a:fld id="{B03A1B60-E63A-488E-955A-0A9A5F0361AB}" type="datetimeFigureOut">
+            <a:fld id="{F3486090-FE5B-412F-8457-5FF069492815}" type="datetimeFigureOut">
               <a:rPr lang="zh-CN" altLang="en-US" smtClean="0"/>
               <a:t>2024/3/10</a:t>
             </a:fld>
@@ -1409,7 +1409,7 @@
           <p:cNvPr id="6" name="页脚占位符 5">
             <a:extLst>
               <a:ext uri="{FF2B5EF4-FFF2-40B4-BE49-F238E27FC236}">
-                <a16:creationId xmlns:a16="http://schemas.microsoft.com/office/drawing/2014/main" id="{BBC47B63-19A2-FA86-D066-E7441BD0C892}"/>
+                <a16:creationId xmlns:a16="http://schemas.microsoft.com/office/drawing/2014/main" id="{C4156DFD-F9C9-ED20-8AB1-8D5358247F21}"/>
               </a:ext>
             </a:extLst>
           </p:cNvPr>
@@ -1434,7 +1434,7 @@
           <p:cNvPr id="7" name="灯片编号占位符 6">
             <a:extLst>
               <a:ext uri="{FF2B5EF4-FFF2-40B4-BE49-F238E27FC236}">
-                <a16:creationId xmlns:a16="http://schemas.microsoft.com/office/drawing/2014/main" id="{4C65901A-97EE-C1CF-267F-0E792022E084}"/>
+                <a16:creationId xmlns:a16="http://schemas.microsoft.com/office/drawing/2014/main" id="{5F919716-7A64-D411-A748-02F815EE390B}"/>
               </a:ext>
             </a:extLst>
           </p:cNvPr>
@@ -1450,7 +1450,7 @@
           <a:bodyPr/>
           <a:lstStyle/>
           <a:p>
-            <a:fld id="{0D87C49B-3C47-422C-88D4-944E5FB4F124}" type="slidenum">
+            <a:fld id="{7182C4B6-AD77-4431-96D2-43008D56DA20}" type="slidenum">
               <a:rPr lang="zh-CN" altLang="en-US" smtClean="0"/>
               <a:t>‹#›</a:t>
             </a:fld>
@@ -1461,7 +1461,7 @@
     </p:spTree>
     <p:extLst>
       <p:ext uri="{BB962C8B-B14F-4D97-AF65-F5344CB8AC3E}">
-        <p14:creationId xmlns:p14="http://schemas.microsoft.com/office/powerpoint/2010/main" val="304824673"/>
+        <p14:creationId xmlns:p14="http://schemas.microsoft.com/office/powerpoint/2010/main" val="3608540320"/>
       </p:ext>
     </p:extLst>
   </p:cSld>
@@ -1493,7 +1493,7 @@
           <p:cNvPr id="2" name="标题 1">
             <a:extLst>
               <a:ext uri="{FF2B5EF4-FFF2-40B4-BE49-F238E27FC236}">
-                <a16:creationId xmlns:a16="http://schemas.microsoft.com/office/drawing/2014/main" id="{F8A68B44-5B22-A3C5-2DCE-BA7C68C82C7B}"/>
+                <a16:creationId xmlns:a16="http://schemas.microsoft.com/office/drawing/2014/main" id="{56E697E2-4339-BD4D-0E5F-30393468D967}"/>
               </a:ext>
             </a:extLst>
           </p:cNvPr>
@@ -1526,7 +1526,7 @@
           <p:cNvPr id="3" name="文本占位符 2">
             <a:extLst>
               <a:ext uri="{FF2B5EF4-FFF2-40B4-BE49-F238E27FC236}">
-                <a16:creationId xmlns:a16="http://schemas.microsoft.com/office/drawing/2014/main" id="{1D96BA2C-6B2E-6AD8-E9FF-A717ADAD96B7}"/>
+                <a16:creationId xmlns:a16="http://schemas.microsoft.com/office/drawing/2014/main" id="{0DE2C210-2CFF-E1D1-A614-9EE1402D7C60}"/>
               </a:ext>
             </a:extLst>
           </p:cNvPr>
@@ -1597,7 +1597,7 @@
           <p:cNvPr id="4" name="内容占位符 3">
             <a:extLst>
               <a:ext uri="{FF2B5EF4-FFF2-40B4-BE49-F238E27FC236}">
-                <a16:creationId xmlns:a16="http://schemas.microsoft.com/office/drawing/2014/main" id="{FA244192-B86D-6B65-AE3C-D14AB6FDC6D1}"/>
+                <a16:creationId xmlns:a16="http://schemas.microsoft.com/office/drawing/2014/main" id="{9DFA3310-72DF-F058-18EB-0C2A977DB2E4}"/>
               </a:ext>
             </a:extLst>
           </p:cNvPr>
@@ -1659,7 +1659,7 @@
           <p:cNvPr id="5" name="文本占位符 4">
             <a:extLst>
               <a:ext uri="{FF2B5EF4-FFF2-40B4-BE49-F238E27FC236}">
-                <a16:creationId xmlns:a16="http://schemas.microsoft.com/office/drawing/2014/main" id="{1516384E-F28F-A4A7-6657-92AD3EA7B362}"/>
+                <a16:creationId xmlns:a16="http://schemas.microsoft.com/office/drawing/2014/main" id="{78D48D40-0FA9-A381-0A87-BF8511CEA748}"/>
               </a:ext>
             </a:extLst>
           </p:cNvPr>
@@ -1730,7 +1730,7 @@
           <p:cNvPr id="6" name="内容占位符 5">
             <a:extLst>
               <a:ext uri="{FF2B5EF4-FFF2-40B4-BE49-F238E27FC236}">
-                <a16:creationId xmlns:a16="http://schemas.microsoft.com/office/drawing/2014/main" id="{D63ADC26-69B9-435E-708D-CBE025339BE9}"/>
+                <a16:creationId xmlns:a16="http://schemas.microsoft.com/office/drawing/2014/main" id="{3574B5C5-4EF9-CE98-59CF-F6F260CEA338}"/>
               </a:ext>
             </a:extLst>
           </p:cNvPr>
@@ -1792,7 +1792,7 @@
           <p:cNvPr id="7" name="日期占位符 6">
             <a:extLst>
               <a:ext uri="{FF2B5EF4-FFF2-40B4-BE49-F238E27FC236}">
-                <a16:creationId xmlns:a16="http://schemas.microsoft.com/office/drawing/2014/main" id="{4D35B1F6-D09D-3A9F-9E50-B3E1F9CC4497}"/>
+                <a16:creationId xmlns:a16="http://schemas.microsoft.com/office/drawing/2014/main" id="{987F02A5-C82C-7D2E-07A5-798EE61FBFE3}"/>
               </a:ext>
             </a:extLst>
           </p:cNvPr>
@@ -1808,7 +1808,7 @@
           <a:bodyPr/>
           <a:lstStyle/>
           <a:p>
-            <a:fld id="{B03A1B60-E63A-488E-955A-0A9A5F0361AB}" type="datetimeFigureOut">
+            <a:fld id="{F3486090-FE5B-412F-8457-5FF069492815}" type="datetimeFigureOut">
               <a:rPr lang="zh-CN" altLang="en-US" smtClean="0"/>
               <a:t>2024/3/10</a:t>
             </a:fld>
@@ -1821,7 +1821,7 @@
           <p:cNvPr id="8" name="页脚占位符 7">
             <a:extLst>
               <a:ext uri="{FF2B5EF4-FFF2-40B4-BE49-F238E27FC236}">
-                <a16:creationId xmlns:a16="http://schemas.microsoft.com/office/drawing/2014/main" id="{09308337-9214-8E78-9524-77A9C5711475}"/>
+                <a16:creationId xmlns:a16="http://schemas.microsoft.com/office/drawing/2014/main" id="{9004E217-93E1-CB67-EC1F-A365D03C4229}"/>
               </a:ext>
             </a:extLst>
           </p:cNvPr>
@@ -1846,7 +1846,7 @@
           <p:cNvPr id="9" name="灯片编号占位符 8">
             <a:extLst>
               <a:ext uri="{FF2B5EF4-FFF2-40B4-BE49-F238E27FC236}">
-                <a16:creationId xmlns:a16="http://schemas.microsoft.com/office/drawing/2014/main" id="{12B39A81-6130-03DF-C36C-070C10EF5191}"/>
+                <a16:creationId xmlns:a16="http://schemas.microsoft.com/office/drawing/2014/main" id="{781BBB7F-7A78-984B-BAE4-7DFD27DCBB4D}"/>
               </a:ext>
             </a:extLst>
           </p:cNvPr>
@@ -1862,7 +1862,7 @@
           <a:bodyPr/>
           <a:lstStyle/>
           <a:p>
-            <a:fld id="{0D87C49B-3C47-422C-88D4-944E5FB4F124}" type="slidenum">
+            <a:fld id="{7182C4B6-AD77-4431-96D2-43008D56DA20}" type="slidenum">
               <a:rPr lang="zh-CN" altLang="en-US" smtClean="0"/>
               <a:t>‹#›</a:t>
             </a:fld>
@@ -1873,7 +1873,7 @@
     </p:spTree>
     <p:extLst>
       <p:ext uri="{BB962C8B-B14F-4D97-AF65-F5344CB8AC3E}">
-        <p14:creationId xmlns:p14="http://schemas.microsoft.com/office/powerpoint/2010/main" val="2492911751"/>
+        <p14:creationId xmlns:p14="http://schemas.microsoft.com/office/powerpoint/2010/main" val="689732674"/>
       </p:ext>
     </p:extLst>
   </p:cSld>
@@ -1905,7 +1905,7 @@
           <p:cNvPr id="2" name="标题 1">
             <a:extLst>
               <a:ext uri="{FF2B5EF4-FFF2-40B4-BE49-F238E27FC236}">
-                <a16:creationId xmlns:a16="http://schemas.microsoft.com/office/drawing/2014/main" id="{0A9B4FC3-05E9-CA99-2FC3-C7E20658CB31}"/>
+                <a16:creationId xmlns:a16="http://schemas.microsoft.com/office/drawing/2014/main" id="{A1167611-354E-113D-6303-D1A727779F84}"/>
               </a:ext>
             </a:extLst>
           </p:cNvPr>
@@ -1933,7 +1933,7 @@
           <p:cNvPr id="3" name="日期占位符 2">
             <a:extLst>
               <a:ext uri="{FF2B5EF4-FFF2-40B4-BE49-F238E27FC236}">
-                <a16:creationId xmlns:a16="http://schemas.microsoft.com/office/drawing/2014/main" id="{314EFA3C-07A9-BCD1-DBE6-A8F5113B546F}"/>
+                <a16:creationId xmlns:a16="http://schemas.microsoft.com/office/drawing/2014/main" id="{5A1B873B-5B90-A285-805B-ABB3D88AB3AA}"/>
               </a:ext>
             </a:extLst>
           </p:cNvPr>
@@ -1949,7 +1949,7 @@
           <a:bodyPr/>
           <a:lstStyle/>
           <a:p>
-            <a:fld id="{B03A1B60-E63A-488E-955A-0A9A5F0361AB}" type="datetimeFigureOut">
+            <a:fld id="{F3486090-FE5B-412F-8457-5FF069492815}" type="datetimeFigureOut">
               <a:rPr lang="zh-CN" altLang="en-US" smtClean="0"/>
               <a:t>2024/3/10</a:t>
             </a:fld>
@@ -1962,7 +1962,7 @@
           <p:cNvPr id="4" name="页脚占位符 3">
             <a:extLst>
               <a:ext uri="{FF2B5EF4-FFF2-40B4-BE49-F238E27FC236}">
-                <a16:creationId xmlns:a16="http://schemas.microsoft.com/office/drawing/2014/main" id="{ECA48770-3E76-F67D-AE1F-820FA5A32B58}"/>
+                <a16:creationId xmlns:a16="http://schemas.microsoft.com/office/drawing/2014/main" id="{68675C48-7756-93C3-9A4E-E15635F805B4}"/>
               </a:ext>
             </a:extLst>
           </p:cNvPr>
@@ -1987,7 +1987,7 @@
           <p:cNvPr id="5" name="灯片编号占位符 4">
             <a:extLst>
               <a:ext uri="{FF2B5EF4-FFF2-40B4-BE49-F238E27FC236}">
-                <a16:creationId xmlns:a16="http://schemas.microsoft.com/office/drawing/2014/main" id="{38A8542A-6DF5-813D-BB4E-BC7066D515FA}"/>
+                <a16:creationId xmlns:a16="http://schemas.microsoft.com/office/drawing/2014/main" id="{0ACDBC6E-6FC0-42F8-0465-0DE6407610DB}"/>
               </a:ext>
             </a:extLst>
           </p:cNvPr>
@@ -2003,7 +2003,7 @@
           <a:bodyPr/>
           <a:lstStyle/>
           <a:p>
-            <a:fld id="{0D87C49B-3C47-422C-88D4-944E5FB4F124}" type="slidenum">
+            <a:fld id="{7182C4B6-AD77-4431-96D2-43008D56DA20}" type="slidenum">
               <a:rPr lang="zh-CN" altLang="en-US" smtClean="0"/>
               <a:t>‹#›</a:t>
             </a:fld>
@@ -2014,7 +2014,7 @@
     </p:spTree>
     <p:extLst>
       <p:ext uri="{BB962C8B-B14F-4D97-AF65-F5344CB8AC3E}">
-        <p14:creationId xmlns:p14="http://schemas.microsoft.com/office/powerpoint/2010/main" val="876962629"/>
+        <p14:creationId xmlns:p14="http://schemas.microsoft.com/office/powerpoint/2010/main" val="2433579247"/>
       </p:ext>
     </p:extLst>
   </p:cSld>
@@ -2046,7 +2046,7 @@
           <p:cNvPr id="2" name="日期占位符 1">
             <a:extLst>
               <a:ext uri="{FF2B5EF4-FFF2-40B4-BE49-F238E27FC236}">
-                <a16:creationId xmlns:a16="http://schemas.microsoft.com/office/drawing/2014/main" id="{442972BC-7799-190C-8CD1-095015BFDE39}"/>
+                <a16:creationId xmlns:a16="http://schemas.microsoft.com/office/drawing/2014/main" id="{7965322D-763E-5B61-F2BC-187B1C6DA885}"/>
               </a:ext>
             </a:extLst>
           </p:cNvPr>
@@ -2062,7 +2062,7 @@
           <a:bodyPr/>
           <a:lstStyle/>
           <a:p>
-            <a:fld id="{B03A1B60-E63A-488E-955A-0A9A5F0361AB}" type="datetimeFigureOut">
+            <a:fld id="{F3486090-FE5B-412F-8457-5FF069492815}" type="datetimeFigureOut">
               <a:rPr lang="zh-CN" altLang="en-US" smtClean="0"/>
               <a:t>2024/3/10</a:t>
             </a:fld>
@@ -2075,7 +2075,7 @@
           <p:cNvPr id="3" name="页脚占位符 2">
             <a:extLst>
               <a:ext uri="{FF2B5EF4-FFF2-40B4-BE49-F238E27FC236}">
-                <a16:creationId xmlns:a16="http://schemas.microsoft.com/office/drawing/2014/main" id="{5BE79888-1148-F09F-E5C8-907C204351FA}"/>
+                <a16:creationId xmlns:a16="http://schemas.microsoft.com/office/drawing/2014/main" id="{F24A9D38-DF77-0159-5FCA-463E71ED5BE4}"/>
               </a:ext>
             </a:extLst>
           </p:cNvPr>
@@ -2100,7 +2100,7 @@
           <p:cNvPr id="4" name="灯片编号占位符 3">
             <a:extLst>
               <a:ext uri="{FF2B5EF4-FFF2-40B4-BE49-F238E27FC236}">
-                <a16:creationId xmlns:a16="http://schemas.microsoft.com/office/drawing/2014/main" id="{1C6E25B0-6837-1A52-5CD0-385561A61BF9}"/>
+                <a16:creationId xmlns:a16="http://schemas.microsoft.com/office/drawing/2014/main" id="{EFDEDA0B-0D27-5091-0860-A9B7A801A080}"/>
               </a:ext>
             </a:extLst>
           </p:cNvPr>
@@ -2116,7 +2116,7 @@
           <a:bodyPr/>
           <a:lstStyle/>
           <a:p>
-            <a:fld id="{0D87C49B-3C47-422C-88D4-944E5FB4F124}" type="slidenum">
+            <a:fld id="{7182C4B6-AD77-4431-96D2-43008D56DA20}" type="slidenum">
               <a:rPr lang="zh-CN" altLang="en-US" smtClean="0"/>
               <a:t>‹#›</a:t>
             </a:fld>
@@ -2127,7 +2127,7 @@
     </p:spTree>
     <p:extLst>
       <p:ext uri="{BB962C8B-B14F-4D97-AF65-F5344CB8AC3E}">
-        <p14:creationId xmlns:p14="http://schemas.microsoft.com/office/powerpoint/2010/main" val="3160796000"/>
+        <p14:creationId xmlns:p14="http://schemas.microsoft.com/office/powerpoint/2010/main" val="730693686"/>
       </p:ext>
     </p:extLst>
   </p:cSld>
@@ -2159,7 +2159,7 @@
           <p:cNvPr id="2" name="标题 1">
             <a:extLst>
               <a:ext uri="{FF2B5EF4-FFF2-40B4-BE49-F238E27FC236}">
-                <a16:creationId xmlns:a16="http://schemas.microsoft.com/office/drawing/2014/main" id="{BE61D606-2567-BFA0-1BC6-7D87C948A749}"/>
+                <a16:creationId xmlns:a16="http://schemas.microsoft.com/office/drawing/2014/main" id="{3B2F423F-14F4-9B97-74CD-DF03FC5118F7}"/>
               </a:ext>
             </a:extLst>
           </p:cNvPr>
@@ -2196,7 +2196,7 @@
           <p:cNvPr id="3" name="内容占位符 2">
             <a:extLst>
               <a:ext uri="{FF2B5EF4-FFF2-40B4-BE49-F238E27FC236}">
-                <a16:creationId xmlns:a16="http://schemas.microsoft.com/office/drawing/2014/main" id="{A24B31C5-9225-5982-4AE8-B7341FAD7803}"/>
+                <a16:creationId xmlns:a16="http://schemas.microsoft.com/office/drawing/2014/main" id="{D1CBB847-A666-D27F-FD19-8FD2F72884C7}"/>
               </a:ext>
             </a:extLst>
           </p:cNvPr>
@@ -2286,7 +2286,7 @@
           <p:cNvPr id="4" name="文本占位符 3">
             <a:extLst>
               <a:ext uri="{FF2B5EF4-FFF2-40B4-BE49-F238E27FC236}">
-                <a16:creationId xmlns:a16="http://schemas.microsoft.com/office/drawing/2014/main" id="{23BC9F56-73A1-E208-F09A-ADF60C0FBD51}"/>
+                <a16:creationId xmlns:a16="http://schemas.microsoft.com/office/drawing/2014/main" id="{0DDD342B-560A-7194-F41C-4BC3B8B49555}"/>
               </a:ext>
             </a:extLst>
           </p:cNvPr>
@@ -2357,7 +2357,7 @@
           <p:cNvPr id="5" name="日期占位符 4">
             <a:extLst>
               <a:ext uri="{FF2B5EF4-FFF2-40B4-BE49-F238E27FC236}">
-                <a16:creationId xmlns:a16="http://schemas.microsoft.com/office/drawing/2014/main" id="{A13687D8-85BA-FEC6-B5F3-1398CA8F055B}"/>
+                <a16:creationId xmlns:a16="http://schemas.microsoft.com/office/drawing/2014/main" id="{427788AD-86B3-6D34-A9C6-21AB9110C31C}"/>
               </a:ext>
             </a:extLst>
           </p:cNvPr>
@@ -2373,7 +2373,7 @@
           <a:bodyPr/>
           <a:lstStyle/>
           <a:p>
-            <a:fld id="{B03A1B60-E63A-488E-955A-0A9A5F0361AB}" type="datetimeFigureOut">
+            <a:fld id="{F3486090-FE5B-412F-8457-5FF069492815}" type="datetimeFigureOut">
               <a:rPr lang="zh-CN" altLang="en-US" smtClean="0"/>
               <a:t>2024/3/10</a:t>
             </a:fld>
@@ -2386,7 +2386,7 @@
           <p:cNvPr id="6" name="页脚占位符 5">
             <a:extLst>
               <a:ext uri="{FF2B5EF4-FFF2-40B4-BE49-F238E27FC236}">
-                <a16:creationId xmlns:a16="http://schemas.microsoft.com/office/drawing/2014/main" id="{E4C1DED9-BDC8-203B-D713-27F435028DA4}"/>
+                <a16:creationId xmlns:a16="http://schemas.microsoft.com/office/drawing/2014/main" id="{2E34F458-6E86-9C0B-9D1B-738EDFF76C03}"/>
               </a:ext>
             </a:extLst>
           </p:cNvPr>
@@ -2411,7 +2411,7 @@
           <p:cNvPr id="7" name="灯片编号占位符 6">
             <a:extLst>
               <a:ext uri="{FF2B5EF4-FFF2-40B4-BE49-F238E27FC236}">
-                <a16:creationId xmlns:a16="http://schemas.microsoft.com/office/drawing/2014/main" id="{8099E83C-0E95-07B7-F9F9-56EC0C5B4101}"/>
+                <a16:creationId xmlns:a16="http://schemas.microsoft.com/office/drawing/2014/main" id="{42738F69-57D0-24C7-557A-C1A929C8C150}"/>
               </a:ext>
             </a:extLst>
           </p:cNvPr>
@@ -2427,7 +2427,7 @@
           <a:bodyPr/>
           <a:lstStyle/>
           <a:p>
-            <a:fld id="{0D87C49B-3C47-422C-88D4-944E5FB4F124}" type="slidenum">
+            <a:fld id="{7182C4B6-AD77-4431-96D2-43008D56DA20}" type="slidenum">
               <a:rPr lang="zh-CN" altLang="en-US" smtClean="0"/>
               <a:t>‹#›</a:t>
             </a:fld>
@@ -2438,7 +2438,7 @@
     </p:spTree>
     <p:extLst>
       <p:ext uri="{BB962C8B-B14F-4D97-AF65-F5344CB8AC3E}">
-        <p14:creationId xmlns:p14="http://schemas.microsoft.com/office/powerpoint/2010/main" val="1604024602"/>
+        <p14:creationId xmlns:p14="http://schemas.microsoft.com/office/powerpoint/2010/main" val="961401895"/>
       </p:ext>
     </p:extLst>
   </p:cSld>
@@ -2470,7 +2470,7 @@
           <p:cNvPr id="2" name="标题 1">
             <a:extLst>
               <a:ext uri="{FF2B5EF4-FFF2-40B4-BE49-F238E27FC236}">
-                <a16:creationId xmlns:a16="http://schemas.microsoft.com/office/drawing/2014/main" id="{8748112D-08C8-665A-E850-C7BBDC6BE8A5}"/>
+                <a16:creationId xmlns:a16="http://schemas.microsoft.com/office/drawing/2014/main" id="{05206D43-2AC2-AAC8-3F52-D4F8E3AA2A2A}"/>
               </a:ext>
             </a:extLst>
           </p:cNvPr>
@@ -2507,7 +2507,7 @@
           <p:cNvPr id="3" name="图片占位符 2">
             <a:extLst>
               <a:ext uri="{FF2B5EF4-FFF2-40B4-BE49-F238E27FC236}">
-                <a16:creationId xmlns:a16="http://schemas.microsoft.com/office/drawing/2014/main" id="{8ECE88D9-B47F-E939-E31D-531A66C6CDDB}"/>
+                <a16:creationId xmlns:a16="http://schemas.microsoft.com/office/drawing/2014/main" id="{4E66D23E-DB50-AE89-8128-80E346A5EE5D}"/>
               </a:ext>
             </a:extLst>
           </p:cNvPr>
@@ -2574,7 +2574,7 @@
           <p:cNvPr id="4" name="文本占位符 3">
             <a:extLst>
               <a:ext uri="{FF2B5EF4-FFF2-40B4-BE49-F238E27FC236}">
-                <a16:creationId xmlns:a16="http://schemas.microsoft.com/office/drawing/2014/main" id="{5C91A674-AB29-33C3-CFF2-D8797FFA03B4}"/>
+                <a16:creationId xmlns:a16="http://schemas.microsoft.com/office/drawing/2014/main" id="{5247E4B4-5C14-259E-742B-F00AD03A7E6D}"/>
               </a:ext>
             </a:extLst>
           </p:cNvPr>
@@ -2645,7 +2645,7 @@
           <p:cNvPr id="5" name="日期占位符 4">
             <a:extLst>
               <a:ext uri="{FF2B5EF4-FFF2-40B4-BE49-F238E27FC236}">
-                <a16:creationId xmlns:a16="http://schemas.microsoft.com/office/drawing/2014/main" id="{DCDA3202-CB27-B980-D614-973ECD25E264}"/>
+                <a16:creationId xmlns:a16="http://schemas.microsoft.com/office/drawing/2014/main" id="{56A1387C-777F-003F-DE91-C2E8837DA23A}"/>
               </a:ext>
             </a:extLst>
           </p:cNvPr>
@@ -2661,7 +2661,7 @@
           <a:bodyPr/>
           <a:lstStyle/>
           <a:p>
-            <a:fld id="{B03A1B60-E63A-488E-955A-0A9A5F0361AB}" type="datetimeFigureOut">
+            <a:fld id="{F3486090-FE5B-412F-8457-5FF069492815}" type="datetimeFigureOut">
               <a:rPr lang="zh-CN" altLang="en-US" smtClean="0"/>
               <a:t>2024/3/10</a:t>
             </a:fld>
@@ -2674,7 +2674,7 @@
           <p:cNvPr id="6" name="页脚占位符 5">
             <a:extLst>
               <a:ext uri="{FF2B5EF4-FFF2-40B4-BE49-F238E27FC236}">
-                <a16:creationId xmlns:a16="http://schemas.microsoft.com/office/drawing/2014/main" id="{B53D5D7B-484F-59F5-5419-BCE80A144EAE}"/>
+                <a16:creationId xmlns:a16="http://schemas.microsoft.com/office/drawing/2014/main" id="{52AF1A47-B769-AB70-A711-842598BD562B}"/>
               </a:ext>
             </a:extLst>
           </p:cNvPr>
@@ -2699,7 +2699,7 @@
           <p:cNvPr id="7" name="灯片编号占位符 6">
             <a:extLst>
               <a:ext uri="{FF2B5EF4-FFF2-40B4-BE49-F238E27FC236}">
-                <a16:creationId xmlns:a16="http://schemas.microsoft.com/office/drawing/2014/main" id="{62BA6BCA-6039-5929-E932-91328AA9782D}"/>
+                <a16:creationId xmlns:a16="http://schemas.microsoft.com/office/drawing/2014/main" id="{AA653530-0019-B006-C3C3-67DA7E508134}"/>
               </a:ext>
             </a:extLst>
           </p:cNvPr>
@@ -2715,7 +2715,7 @@
           <a:bodyPr/>
           <a:lstStyle/>
           <a:p>
-            <a:fld id="{0D87C49B-3C47-422C-88D4-944E5FB4F124}" type="slidenum">
+            <a:fld id="{7182C4B6-AD77-4431-96D2-43008D56DA20}" type="slidenum">
               <a:rPr lang="zh-CN" altLang="en-US" smtClean="0"/>
               <a:t>‹#›</a:t>
             </a:fld>
@@ -2726,7 +2726,7 @@
     </p:spTree>
     <p:extLst>
       <p:ext uri="{BB962C8B-B14F-4D97-AF65-F5344CB8AC3E}">
-        <p14:creationId xmlns:p14="http://schemas.microsoft.com/office/powerpoint/2010/main" val="811099557"/>
+        <p14:creationId xmlns:p14="http://schemas.microsoft.com/office/powerpoint/2010/main" val="227065645"/>
       </p:ext>
     </p:extLst>
   </p:cSld>
@@ -2763,7 +2763,7 @@
           <p:cNvPr id="2" name="标题占位符 1">
             <a:extLst>
               <a:ext uri="{FF2B5EF4-FFF2-40B4-BE49-F238E27FC236}">
-                <a16:creationId xmlns:a16="http://schemas.microsoft.com/office/drawing/2014/main" id="{C7D25F16-EB9D-68DF-DACA-4966049BA42F}"/>
+                <a16:creationId xmlns:a16="http://schemas.microsoft.com/office/drawing/2014/main" id="{1F83E721-D03D-501E-51D0-C13194D30B47}"/>
               </a:ext>
             </a:extLst>
           </p:cNvPr>
@@ -2801,7 +2801,7 @@
           <p:cNvPr id="3" name="文本占位符 2">
             <a:extLst>
               <a:ext uri="{FF2B5EF4-FFF2-40B4-BE49-F238E27FC236}">
-                <a16:creationId xmlns:a16="http://schemas.microsoft.com/office/drawing/2014/main" id="{34D8AD27-7D23-A750-8DE9-25A518EF5E04}"/>
+                <a16:creationId xmlns:a16="http://schemas.microsoft.com/office/drawing/2014/main" id="{730755E7-733F-D296-8AAF-6AA89339B3ED}"/>
               </a:ext>
             </a:extLst>
           </p:cNvPr>
@@ -2868,7 +2868,7 @@
           <p:cNvPr id="4" name="日期占位符 3">
             <a:extLst>
               <a:ext uri="{FF2B5EF4-FFF2-40B4-BE49-F238E27FC236}">
-                <a16:creationId xmlns:a16="http://schemas.microsoft.com/office/drawing/2014/main" id="{81EC8213-8585-2561-A0A0-43FCC32C52E1}"/>
+                <a16:creationId xmlns:a16="http://schemas.microsoft.com/office/drawing/2014/main" id="{1160C4B6-923F-F077-2EA8-16B98D9BF0B9}"/>
               </a:ext>
             </a:extLst>
           </p:cNvPr>
@@ -2902,7 +2902,7 @@
             </a:lvl1pPr>
           </a:lstStyle>
           <a:p>
-            <a:fld id="{B03A1B60-E63A-488E-955A-0A9A5F0361AB}" type="datetimeFigureOut">
+            <a:fld id="{F3486090-FE5B-412F-8457-5FF069492815}" type="datetimeFigureOut">
               <a:rPr lang="zh-CN" altLang="en-US" smtClean="0"/>
               <a:t>2024/3/10</a:t>
             </a:fld>
@@ -2915,7 +2915,7 @@
           <p:cNvPr id="5" name="页脚占位符 4">
             <a:extLst>
               <a:ext uri="{FF2B5EF4-FFF2-40B4-BE49-F238E27FC236}">
-                <a16:creationId xmlns:a16="http://schemas.microsoft.com/office/drawing/2014/main" id="{0D73EA28-B4A0-033F-A786-51E298346B02}"/>
+                <a16:creationId xmlns:a16="http://schemas.microsoft.com/office/drawing/2014/main" id="{31AADC14-45FE-F7D1-9E07-5227C5B7A96C}"/>
               </a:ext>
             </a:extLst>
           </p:cNvPr>
@@ -2958,7 +2958,7 @@
           <p:cNvPr id="6" name="灯片编号占位符 5">
             <a:extLst>
               <a:ext uri="{FF2B5EF4-FFF2-40B4-BE49-F238E27FC236}">
-                <a16:creationId xmlns:a16="http://schemas.microsoft.com/office/drawing/2014/main" id="{AF529952-FC05-C46D-C989-34982CD77422}"/>
+                <a16:creationId xmlns:a16="http://schemas.microsoft.com/office/drawing/2014/main" id="{9B561056-E255-BEF8-7190-7597518D6BBA}"/>
               </a:ext>
             </a:extLst>
           </p:cNvPr>
@@ -2992,7 +2992,7 @@
             </a:lvl1pPr>
           </a:lstStyle>
           <a:p>
-            <a:fld id="{0D87C49B-3C47-422C-88D4-944E5FB4F124}" type="slidenum">
+            <a:fld id="{7182C4B6-AD77-4431-96D2-43008D56DA20}" type="slidenum">
               <a:rPr lang="zh-CN" altLang="en-US" smtClean="0"/>
               <a:t>‹#›</a:t>
             </a:fld>
@@ -3003,7 +3003,7 @@
     </p:spTree>
     <p:extLst>
       <p:ext uri="{BB962C8B-B14F-4D97-AF65-F5344CB8AC3E}">
-        <p14:creationId xmlns:p14="http://schemas.microsoft.com/office/powerpoint/2010/main" val="2582139587"/>
+        <p14:creationId xmlns:p14="http://schemas.microsoft.com/office/powerpoint/2010/main" val="1031669673"/>
       </p:ext>
     </p:extLst>
   </p:cSld>
@@ -3323,7 +3323,7 @@
       </p:grpSpPr>
       <p:pic>
         <p:nvPicPr>
-          <p:cNvPr id="450562" name="Picture 2" descr="439"/>
+          <p:cNvPr id="451586" name="Picture 2" descr="440"/>
           <p:cNvPicPr>
             <a:picLocks noChangeAspect="1" noChangeArrowheads="1"/>
           </p:cNvPicPr>
@@ -3375,11 +3375,158 @@
           </a:extLst>
         </p:spPr>
       </p:pic>
+      <p:pic>
+        <p:nvPicPr>
+          <p:cNvPr id="452611" name="Picture 3" descr="440-2"/>
+          <p:cNvPicPr>
+            <a:picLocks noChangeAspect="1" noChangeArrowheads="1"/>
+          </p:cNvPicPr>
+          <p:nvPr/>
+        </p:nvPicPr>
+        <p:blipFill>
+          <a:blip r:embed="rId3">
+            <a:extLst>
+              <a:ext uri="{28A0092B-C50C-407E-A947-70E740481C1C}">
+                <a14:useLocalDpi xmlns:a14="http://schemas.microsoft.com/office/drawing/2010/main" val="0"/>
+              </a:ext>
+            </a:extLst>
+          </a:blip>
+          <a:srcRect/>
+          <a:stretch>
+            <a:fillRect/>
+          </a:stretch>
+        </p:blipFill>
+        <p:spPr bwMode="auto">
+          <a:xfrm>
+            <a:off x="1503362" y="0"/>
+            <a:ext cx="9128126" cy="6858000"/>
+          </a:xfrm>
+          <a:prstGeom prst="rect">
+            <a:avLst/>
+          </a:prstGeom>
+          <a:noFill/>
+          <a:ln>
+            <a:noFill/>
+          </a:ln>
+          <a:effectLst/>
+          <a:extLst>
+            <a:ext uri="{909E8E84-426E-40DD-AFC4-6F175D3DCCD1}">
+              <a14:hiddenFill xmlns:a14="http://schemas.microsoft.com/office/drawing/2010/main">
+                <a:solidFill>
+                  <a:srgbClr val="FFFFFF"/>
+                </a:solidFill>
+              </a14:hiddenFill>
+            </a:ext>
+            <a:ext uri="{91240B29-F687-4F45-9708-019B960494DF}">
+              <a14:hiddenLine xmlns:a14="http://schemas.microsoft.com/office/drawing/2010/main" w="9525">
+                <a:solidFill>
+                  <a:srgbClr val="000000"/>
+                </a:solidFill>
+                <a:miter lim="800000"/>
+                <a:headEnd/>
+                <a:tailEnd/>
+              </a14:hiddenLine>
+            </a:ext>
+            <a:ext uri="{AF507438-7753-43E0-B8FC-AC1667EBCBE1}">
+              <a14:hiddenEffects xmlns:a14="http://schemas.microsoft.com/office/drawing/2010/main">
+                <a:effectLst>
+                  <a:outerShdw dist="35921" dir="2700000" algn="ctr" rotWithShape="0">
+                    <a:srgbClr val="808080"/>
+                  </a:outerShdw>
+                </a:effectLst>
+              </a14:hiddenEffects>
+            </a:ext>
+          </a:extLst>
+        </p:spPr>
+      </p:pic>
     </p:spTree>
   </p:cSld>
   <p:clrMapOvr>
     <a:masterClrMapping/>
   </p:clrMapOvr>
+  <p:timing>
+    <p:tnLst>
+      <p:par>
+        <p:cTn id="1" dur="indefinite" restart="never" nodeType="tmRoot">
+          <p:childTnLst>
+            <p:seq concurrent="1" nextAc="seek">
+              <p:cTn id="2" dur="indefinite" nodeType="mainSeq">
+                <p:childTnLst>
+                  <p:par>
+                    <p:cTn id="3" fill="hold" nodeType="clickPar">
+                      <p:stCondLst>
+                        <p:cond delay="indefinite"/>
+                      </p:stCondLst>
+                      <p:childTnLst>
+                        <p:par>
+                          <p:cTn id="4" fill="hold" nodeType="withGroup">
+                            <p:stCondLst>
+                              <p:cond delay="0"/>
+                            </p:stCondLst>
+                            <p:childTnLst>
+                              <p:par>
+                                <p:cTn id="5" presetID="10" presetClass="entr" presetSubtype="0" fill="hold" nodeType="clickEffect">
+                                  <p:stCondLst>
+                                    <p:cond delay="0"/>
+                                  </p:stCondLst>
+                                  <p:childTnLst>
+                                    <p:set>
+                                      <p:cBhvr>
+                                        <p:cTn id="6" dur="1" fill="hold">
+                                          <p:stCondLst>
+                                            <p:cond delay="0"/>
+                                          </p:stCondLst>
+                                        </p:cTn>
+                                        <p:tgtEl>
+                                          <p:spTgt spid="452611"/>
+                                        </p:tgtEl>
+                                        <p:attrNameLst>
+                                          <p:attrName>style.visibility</p:attrName>
+                                        </p:attrNameLst>
+                                      </p:cBhvr>
+                                      <p:to>
+                                        <p:strVal val="visible"/>
+                                      </p:to>
+                                    </p:set>
+                                    <p:animEffect transition="in" filter="fade">
+                                      <p:cBhvr>
+                                        <p:cTn id="7" dur="500"/>
+                                        <p:tgtEl>
+                                          <p:spTgt spid="452611"/>
+                                        </p:tgtEl>
+                                      </p:cBhvr>
+                                    </p:animEffect>
+                                  </p:childTnLst>
+                                </p:cTn>
+                              </p:par>
+                            </p:childTnLst>
+                          </p:cTn>
+                        </p:par>
+                      </p:childTnLst>
+                    </p:cTn>
+                  </p:par>
+                </p:childTnLst>
+              </p:cTn>
+              <p:prevCondLst>
+                <p:cond evt="onPrev" delay="0">
+                  <p:tgtEl>
+                    <p:sldTgt/>
+                  </p:tgtEl>
+                </p:cond>
+              </p:prevCondLst>
+              <p:nextCondLst>
+                <p:cond evt="onNext" delay="0">
+                  <p:tgtEl>
+                    <p:sldTgt/>
+                  </p:tgtEl>
+                </p:cond>
+              </p:nextCondLst>
+            </p:seq>
+          </p:childTnLst>
+        </p:cTn>
+      </p:par>
+    </p:tnLst>
+  </p:timing>
 </p:sld>
 </file>
 
